--- a/SPL-Doc/1448_SPL-1_Presentation.pptx
+++ b/SPL-Doc/1448_SPL-1_Presentation.pptx
@@ -5720,7 +5720,7 @@
         </p:nvSpPr>
         <p:spPr>
           <a:xfrm>
-            <a:off x="1857377" y="2686492"/>
+            <a:off x="1857377" y="2883629"/>
             <a:ext cx="5200649" cy="1034903"/>
           </a:xfrm>
           <a:prstGeom prst="roundRect">
@@ -5830,7 +5830,7 @@
         </p:nvSpPr>
         <p:spPr>
           <a:xfrm>
-            <a:off x="1975249" y="2426978"/>
+            <a:off x="1975249" y="2624115"/>
             <a:ext cx="4964905" cy="1565405"/>
           </a:xfrm>
           <a:prstGeom prst="rect">
@@ -7354,11 +7354,6 @@
               </a:rPr>
               <a:t> Report</a:t>
             </a:r>
-            <a:endParaRPr lang="en-GB" sz="1100" dirty="0" smtClean="0">
-              <a:solidFill>
-                <a:schemeClr val="tx1"/>
-              </a:solidFill>
-            </a:endParaRPr>
           </a:p>
           <a:p>
             <a:pPr marL="0" lvl="0" indent="0" algn="l" rtl="0">
@@ -8552,15 +8547,15 @@
   <p:clrMapOvr>
     <a:masterClrMapping/>
   </p:clrMapOvr>
-  <mc:AlternateContent xmlns:mc="http://schemas.openxmlformats.org/markup-compatibility/2006" xmlns:p159="http://schemas.microsoft.com/office/powerpoint/2015/09/main">
-    <mc:Choice Requires="p159">
-      <p:transition xmlns:p14="http://schemas.microsoft.com/office/powerpoint/2010/main" spd="slow" p14:dur="2000">
-        <p159:morph option="byObject"/>
+  <mc:AlternateContent xmlns:mc="http://schemas.openxmlformats.org/markup-compatibility/2006">
+    <mc:Choice xmlns:p14="http://schemas.microsoft.com/office/powerpoint/2010/main" Requires="p14">
+      <p:transition p14:dur="100">
+        <p:cut/>
       </p:transition>
     </mc:Choice>
-    <mc:Fallback xmlns="">
-      <p:transition spd="slow">
-        <p:fade/>
+    <mc:Fallback>
+      <p:transition>
+        <p:cut/>
       </p:transition>
     </mc:Fallback>
   </mc:AlternateContent>
@@ -8826,15 +8821,15 @@
   <p:clrMapOvr>
     <a:masterClrMapping/>
   </p:clrMapOvr>
-  <mc:AlternateContent xmlns:mc="http://schemas.openxmlformats.org/markup-compatibility/2006" xmlns:p159="http://schemas.microsoft.com/office/powerpoint/2015/09/main">
-    <mc:Choice Requires="p159">
-      <p:transition xmlns:p14="http://schemas.microsoft.com/office/powerpoint/2010/main" spd="slow" p14:dur="2000">
-        <p159:morph option="byObject"/>
+  <mc:AlternateContent xmlns:mc="http://schemas.openxmlformats.org/markup-compatibility/2006">
+    <mc:Choice xmlns:p14="http://schemas.microsoft.com/office/powerpoint/2010/main" Requires="p14">
+      <p:transition p14:dur="100">
+        <p:cut/>
       </p:transition>
     </mc:Choice>
-    <mc:Fallback xmlns="">
-      <p:transition spd="slow">
-        <p:fade/>
+    <mc:Fallback>
+      <p:transition>
+        <p:cut/>
       </p:transition>
     </mc:Fallback>
   </mc:AlternateContent>
@@ -9547,15 +9542,15 @@
   <p:clrMapOvr>
     <a:masterClrMapping/>
   </p:clrMapOvr>
-  <mc:AlternateContent xmlns:mc="http://schemas.openxmlformats.org/markup-compatibility/2006" xmlns:p159="http://schemas.microsoft.com/office/powerpoint/2015/09/main">
-    <mc:Choice Requires="p159">
-      <p:transition xmlns:p14="http://schemas.microsoft.com/office/powerpoint/2010/main" spd="slow" p14:dur="2000">
-        <p159:morph option="byObject"/>
+  <mc:AlternateContent xmlns:mc="http://schemas.openxmlformats.org/markup-compatibility/2006">
+    <mc:Choice xmlns:p14="http://schemas.microsoft.com/office/powerpoint/2010/main" Requires="p14">
+      <p:transition p14:dur="100">
+        <p:cut/>
       </p:transition>
     </mc:Choice>
-    <mc:Fallback xmlns="">
-      <p:transition spd="slow">
-        <p:fade/>
+    <mc:Fallback>
+      <p:transition>
+        <p:cut/>
       </p:transition>
     </mc:Fallback>
   </mc:AlternateContent>
@@ -12322,26 +12317,22 @@
       </p:pic>
       <p:pic>
         <p:nvPicPr>
-          <p:cNvPr id="12" name="Picture 11"/>
-          <p:cNvPicPr/>
+          <p:cNvPr id="2" name="Picture 1"/>
+          <p:cNvPicPr>
+            <a:picLocks noChangeAspect="1"/>
+          </p:cNvPicPr>
           <p:nvPr/>
         </p:nvPicPr>
         <p:blipFill>
-          <a:blip r:embed="rId5">
-            <a:extLst>
-              <a:ext uri="{28A0092B-C50C-407E-A947-70E740481C1C}">
-                <a14:useLocalDpi xmlns:a14="http://schemas.microsoft.com/office/drawing/2010/main" val="0"/>
-              </a:ext>
-            </a:extLst>
-          </a:blip>
+          <a:blip r:embed="rId5"/>
           <a:stretch>
             <a:fillRect/>
           </a:stretch>
         </p:blipFill>
         <p:spPr>
           <a:xfrm>
-            <a:off x="3313674" y="3052575"/>
-            <a:ext cx="2849171" cy="1102967"/>
+            <a:off x="3205646" y="3334396"/>
+            <a:ext cx="3214420" cy="739124"/>
           </a:xfrm>
           <a:prstGeom prst="rect">
             <a:avLst/>

--- a/SPL-Doc/1448_SPL-1_Presentation.pptx
+++ b/SPL-Doc/1448_SPL-1_Presentation.pptx
@@ -5720,12 +5720,12 @@
         </p:nvSpPr>
         <p:spPr>
           <a:xfrm>
-            <a:off x="1857377" y="2883629"/>
-            <a:ext cx="5200649" cy="1034903"/>
+            <a:off x="1670087" y="2117267"/>
+            <a:ext cx="6098408" cy="1073136"/>
           </a:xfrm>
           <a:prstGeom prst="roundRect">
             <a:avLst>
-              <a:gd name="adj" fmla="val 9313"/>
+              <a:gd name="adj" fmla="val 23845"/>
             </a:avLst>
           </a:prstGeom>
           <a:solidFill>
@@ -5830,8 +5830,8 @@
         </p:nvSpPr>
         <p:spPr>
           <a:xfrm>
-            <a:off x="1975249" y="2624115"/>
-            <a:ext cx="4964905" cy="1565405"/>
+            <a:off x="1670087" y="2190942"/>
+            <a:ext cx="6098408" cy="999461"/>
           </a:xfrm>
           <a:prstGeom prst="rect">
             <a:avLst/>
@@ -5868,7 +5868,7 @@
               <a:buNone/>
             </a:pPr>
             <a:r>
-              <a:rPr lang="en-US" sz="1900" dirty="0" smtClean="0">
+              <a:rPr lang="en-US" sz="2200" dirty="0" smtClean="0">
                 <a:solidFill>
                   <a:schemeClr val="tx1"/>
                 </a:solidFill>
@@ -5879,7 +5879,7 @@
               </a:rPr>
               <a:t>A File Manipulation Tool to Encrypt/Decrypt and Compress/Decompress with Algorithm Selection</a:t>
             </a:r>
-            <a:endParaRPr sz="1900" b="1" dirty="0">
+            <a:endParaRPr sz="2200" b="1" dirty="0">
               <a:solidFill>
                 <a:schemeClr val="tx1"/>
               </a:solidFill>
@@ -5951,60 +5951,6 @@
       </p:sp>
       <p:sp>
         <p:nvSpPr>
-          <p:cNvPr id="10" name="Rectangle: Rounded Corners 9">
-            <a:extLst>
-              <a:ext uri="{FF2B5EF4-FFF2-40B4-BE49-F238E27FC236}">
-                <a16:creationId xmlns:a16="http://schemas.microsoft.com/office/drawing/2014/main" id="{BFC3EECB-B41C-4982-84B4-E648AED87E4C}"/>
-              </a:ext>
-            </a:extLst>
-          </p:cNvPr>
-          <p:cNvSpPr/>
-          <p:nvPr/>
-        </p:nvSpPr>
-        <p:spPr>
-          <a:xfrm>
-            <a:off x="3045243" y="1558972"/>
-            <a:ext cx="3075387" cy="597019"/>
-          </a:xfrm>
-          <a:prstGeom prst="roundRect">
-            <a:avLst>
-              <a:gd name="adj" fmla="val 37524"/>
-            </a:avLst>
-          </a:prstGeom>
-          <a:solidFill>
-            <a:schemeClr val="accent3">
-              <a:alpha val="50000"/>
-            </a:schemeClr>
-          </a:solidFill>
-          <a:ln>
-            <a:noFill/>
-          </a:ln>
-        </p:spPr>
-        <p:style>
-          <a:lnRef idx="0">
-            <a:scrgbClr r="0" g="0" b="0"/>
-          </a:lnRef>
-          <a:fillRef idx="0">
-            <a:scrgbClr r="0" g="0" b="0"/>
-          </a:fillRef>
-          <a:effectRef idx="0">
-            <a:scrgbClr r="0" g="0" b="0"/>
-          </a:effectRef>
-          <a:fontRef idx="minor">
-            <a:schemeClr val="lt1"/>
-          </a:fontRef>
-        </p:style>
-        <p:txBody>
-          <a:bodyPr rtlCol="0" anchor="ctr"/>
-          <a:lstStyle/>
-          <a:p>
-            <a:pPr algn="ctr"/>
-            <a:endParaRPr lang="en-US"/>
-          </a:p>
-        </p:txBody>
-      </p:sp>
-      <p:sp>
-        <p:nvSpPr>
           <p:cNvPr id="11" name="Rectangle: Rounded Corners 10" hidden="1">
             <a:extLst>
               <a:ext uri="{FF2B5EF4-FFF2-40B4-BE49-F238E27FC236}">
@@ -6058,49 +6004,6 @@
           <a:p>
             <a:pPr algn="ctr"/>
             <a:endParaRPr lang="en-US"/>
-          </a:p>
-        </p:txBody>
-      </p:sp>
-      <p:sp>
-        <p:nvSpPr>
-          <p:cNvPr id="6" name="TextBox 5">
-            <a:extLst>
-              <a:ext uri="{FF2B5EF4-FFF2-40B4-BE49-F238E27FC236}">
-                <a16:creationId xmlns:a16="http://schemas.microsoft.com/office/drawing/2014/main" id="{E6D4FBDC-FFE0-4EA8-A8A8-72CBAA5AA8E4}"/>
-              </a:ext>
-            </a:extLst>
-          </p:cNvPr>
-          <p:cNvSpPr txBox="1"/>
-          <p:nvPr/>
-        </p:nvSpPr>
-        <p:spPr>
-          <a:xfrm>
-            <a:off x="3045243" y="1626083"/>
-            <a:ext cx="3075386" cy="461665"/>
-          </a:xfrm>
-          <a:prstGeom prst="rect">
-            <a:avLst/>
-          </a:prstGeom>
-          <a:noFill/>
-        </p:spPr>
-        <p:txBody>
-          <a:bodyPr wrap="square" rtlCol="0">
-            <a:spAutoFit/>
-          </a:bodyPr>
-          <a:lstStyle/>
-          <a:p>
-            <a:r>
-              <a:rPr lang="en-US" sz="2400" dirty="0">
-                <a:solidFill>
-                  <a:schemeClr val="accent3">
-                    <a:lumMod val="20000"/>
-                    <a:lumOff val="80000"/>
-                  </a:schemeClr>
-                </a:solidFill>
-                <a:latin typeface="Helvetica Neue" panose="020B0604020202020204" charset="0"/>
-              </a:rPr>
-              <a:t>FILECRYPTOZIPPER:</a:t>
-            </a:r>
           </a:p>
         </p:txBody>
       </p:sp>
@@ -8525,12 +8428,16 @@
               <a:buChar char="q"/>
             </a:pPr>
             <a:r>
-              <a:rPr lang="en-GB" sz="2000" dirty="0">
+              <a:rPr lang="en-GB" sz="2000" dirty="0" smtClean="0">
                 <a:latin typeface="Verdana" panose="020B0604030504040204" pitchFamily="34" charset="0"/>
                 <a:ea typeface="Verdana" panose="020B0604030504040204" pitchFamily="34" charset="0"/>
               </a:rPr>
-              <a:t>Comparison Report</a:t>
-            </a:r>
+              <a:t>Report</a:t>
+            </a:r>
+            <a:endParaRPr lang="en-GB" sz="2000" dirty="0">
+              <a:latin typeface="Verdana" panose="020B0604030504040204" pitchFamily="34" charset="0"/>
+              <a:ea typeface="Verdana" panose="020B0604030504040204" pitchFamily="34" charset="0"/>
+            </a:endParaRPr>
           </a:p>
           <a:p>
             <a:endParaRPr lang="en-US" dirty="0"/>
@@ -8547,13 +8454,13 @@
   <p:clrMapOvr>
     <a:masterClrMapping/>
   </p:clrMapOvr>
-  <mc:AlternateContent xmlns:mc="http://schemas.openxmlformats.org/markup-compatibility/2006">
-    <mc:Choice xmlns:p14="http://schemas.microsoft.com/office/powerpoint/2010/main" Requires="p14">
+  <mc:AlternateContent xmlns:mc="http://schemas.openxmlformats.org/markup-compatibility/2006" xmlns:p14="http://schemas.microsoft.com/office/powerpoint/2010/main">
+    <mc:Choice Requires="p14">
       <p:transition p14:dur="100">
         <p:cut/>
       </p:transition>
     </mc:Choice>
-    <mc:Fallback>
+    <mc:Fallback xmlns="">
       <p:transition>
         <p:cut/>
       </p:transition>
@@ -8821,13 +8728,13 @@
   <p:clrMapOvr>
     <a:masterClrMapping/>
   </p:clrMapOvr>
-  <mc:AlternateContent xmlns:mc="http://schemas.openxmlformats.org/markup-compatibility/2006">
-    <mc:Choice xmlns:p14="http://schemas.microsoft.com/office/powerpoint/2010/main" Requires="p14">
+  <mc:AlternateContent xmlns:mc="http://schemas.openxmlformats.org/markup-compatibility/2006" xmlns:p14="http://schemas.microsoft.com/office/powerpoint/2010/main">
+    <mc:Choice Requires="p14">
       <p:transition p14:dur="100">
         <p:cut/>
       </p:transition>
     </mc:Choice>
-    <mc:Fallback>
+    <mc:Fallback xmlns="">
       <p:transition>
         <p:cut/>
       </p:transition>
@@ -9542,13 +9449,13 @@
   <p:clrMapOvr>
     <a:masterClrMapping/>
   </p:clrMapOvr>
-  <mc:AlternateContent xmlns:mc="http://schemas.openxmlformats.org/markup-compatibility/2006">
-    <mc:Choice xmlns:p14="http://schemas.microsoft.com/office/powerpoint/2010/main" Requires="p14">
+  <mc:AlternateContent xmlns:mc="http://schemas.openxmlformats.org/markup-compatibility/2006" xmlns:p14="http://schemas.microsoft.com/office/powerpoint/2010/main">
+    <mc:Choice Requires="p14">
       <p:transition p14:dur="100">
         <p:cut/>
       </p:transition>
     </mc:Choice>
-    <mc:Fallback>
+    <mc:Fallback xmlns="">
       <p:transition>
         <p:cut/>
       </p:transition>
